--- a/assets/lectures/cbw-cshl/2019/mini/RNASeq_MiniLecture_11_01_DifferentialExpression.pptx
+++ b/assets/lectures/cbw-cshl/2019/mini/RNASeq_MiniLecture_11_01_DifferentialExpression.pptx
@@ -996,14 +996,14 @@
           </a:ln>
           <a:extLst>
             <a:ext uri="{909E8E84-426E-40dd-AFC4-6F175D3DCCD1}">
-              <a14:hiddenFill xmlns="" xmlns:a14="http://schemas.microsoft.com/office/drawing/2010/main">
+              <a14:hiddenFill xmlns:a14="http://schemas.microsoft.com/office/drawing/2010/main" xmlns="">
                 <a:solidFill>
                   <a:srgbClr val="FFFFFF"/>
                 </a:solidFill>
               </a14:hiddenFill>
             </a:ext>
             <a:ext uri="{91240B29-F687-4f45-9708-019B960494DF}">
-              <a14:hiddenLine xmlns="" xmlns:a14="http://schemas.microsoft.com/office/drawing/2010/main" w="9525">
+              <a14:hiddenLine xmlns:a14="http://schemas.microsoft.com/office/drawing/2010/main" xmlns="" w="9525">
                 <a:solidFill>
                   <a:srgbClr val="000000"/>
                 </a:solidFill>
@@ -3412,7 +3412,7 @@
           <a:lstStyle/>
           <a:p>
             <a:r>
-              <a:rPr lang="en-US"/>
+              <a:rPr lang="en-US" dirty="0"/>
               <a:t>Click to edit Master title style</a:t>
             </a:r>
           </a:p>
@@ -3748,7 +3748,7 @@
         <p:spPr bwMode="auto">
           <a:xfrm>
             <a:off x="0" y="6430962"/>
-            <a:ext cx="6705600" cy="396875"/>
+            <a:ext cx="6705600" cy="400110"/>
           </a:xfrm>
           <a:prstGeom prst="rect">
             <a:avLst/>
@@ -3759,14 +3759,14 @@
           </a:ln>
           <a:extLst>
             <a:ext uri="{909E8E84-426E-40dd-AFC4-6F175D3DCCD1}">
-              <a14:hiddenFill xmlns="" xmlns:a14="http://schemas.microsoft.com/office/drawing/2010/main">
+              <a14:hiddenFill xmlns:a14="http://schemas.microsoft.com/office/drawing/2010/main" xmlns="">
                 <a:solidFill>
                   <a:srgbClr val="FFFFFF"/>
                 </a:solidFill>
               </a14:hiddenFill>
             </a:ext>
             <a:ext uri="{91240B29-F687-4f45-9708-019B960494DF}">
-              <a14:hiddenLine xmlns="" xmlns:a14="http://schemas.microsoft.com/office/drawing/2010/main" w="9525">
+              <a14:hiddenLine xmlns:a14="http://schemas.microsoft.com/office/drawing/2010/main" xmlns="" w="9525">
                 <a:solidFill>
                   <a:srgbClr val="000000"/>
                 </a:solidFill>
@@ -3901,7 +3901,7 @@
                 <a:latin typeface="Calibri" charset="0"/>
                 <a:cs typeface="Calibri" charset="0"/>
               </a:rPr>
-              <a:t>Module 9 </a:t>
+              <a:t>Module 11 </a:t>
             </a:r>
           </a:p>
         </p:txBody>
@@ -4428,14 +4428,14 @@
               <a:t>Seq</a:t>
             </a:r>
             <a:r>
-              <a:rPr lang="en-US" sz="3600" dirty="0">
+              <a:rPr lang="en-US" sz="3600">
                 <a:solidFill>
                   <a:schemeClr val="bg1"/>
                 </a:solidFill>
                 <a:latin typeface="Calibri" charset="0"/>
                 <a:cs typeface="Segoe UI" charset="0"/>
               </a:rPr>
-              <a:t> Module 9</a:t>
+              <a:t> Module 11</a:t>
             </a:r>
             <a:br>
               <a:rPr lang="en-US" sz="3600" dirty="0">
@@ -4653,14 +4653,14 @@
           </a:ln>
           <a:extLst>
             <a:ext uri="{909E8E84-426E-40dd-AFC4-6F175D3DCCD1}">
-              <a14:hiddenFill xmlns="" xmlns:a14="http://schemas.microsoft.com/office/drawing/2010/main">
+              <a14:hiddenFill xmlns:a14="http://schemas.microsoft.com/office/drawing/2010/main" xmlns="">
                 <a:solidFill>
                   <a:srgbClr val="FFFFFF"/>
                 </a:solidFill>
               </a14:hiddenFill>
             </a:ext>
             <a:ext uri="{91240B29-F687-4f45-9708-019B960494DF}">
-              <a14:hiddenLine xmlns="" xmlns:a14="http://schemas.microsoft.com/office/drawing/2010/main" w="9525">
+              <a14:hiddenLine xmlns:a14="http://schemas.microsoft.com/office/drawing/2010/main" xmlns="" w="9525">
                 <a:solidFill>
                   <a:srgbClr val="000000"/>
                 </a:solidFill>
@@ -6108,14 +6108,14 @@
           </a:ln>
           <a:extLst>
             <a:ext uri="{909E8E84-426E-40dd-AFC4-6F175D3DCCD1}">
-              <a14:hiddenFill xmlns:a14="http://schemas.microsoft.com/office/drawing/2010/main" xmlns="">
+              <a14:hiddenFill xmlns="" xmlns:a14="http://schemas.microsoft.com/office/drawing/2010/main">
                 <a:solidFill>
                   <a:srgbClr val="FFFFFF"/>
                 </a:solidFill>
               </a14:hiddenFill>
             </a:ext>
             <a:ext uri="{91240B29-F687-4f45-9708-019B960494DF}">
-              <a14:hiddenLine xmlns:a14="http://schemas.microsoft.com/office/drawing/2010/main" xmlns="" w="9525">
+              <a14:hiddenLine xmlns="" xmlns:a14="http://schemas.microsoft.com/office/drawing/2010/main" w="9525">
                 <a:solidFill>
                   <a:srgbClr val="000000"/>
                 </a:solidFill>
@@ -6596,14 +6596,14 @@
             </a:ln>
             <a:extLst>
               <a:ext uri="{909E8E84-426E-40dd-AFC4-6F175D3DCCD1}">
-                <a14:hiddenFill xmlns:a14="http://schemas.microsoft.com/office/drawing/2010/main" xmlns="">
+                <a14:hiddenFill xmlns="" xmlns:a14="http://schemas.microsoft.com/office/drawing/2010/main">
                   <a:solidFill>
                     <a:srgbClr val="FFFFFF"/>
                   </a:solidFill>
                 </a14:hiddenFill>
               </a:ext>
               <a:ext uri="{91240B29-F687-4f45-9708-019B960494DF}">
-                <a14:hiddenLine xmlns:a14="http://schemas.microsoft.com/office/drawing/2010/main" xmlns="" w="9525">
+                <a14:hiddenLine xmlns="" xmlns:a14="http://schemas.microsoft.com/office/drawing/2010/main" w="9525">
                   <a:solidFill>
                     <a:srgbClr val="000000"/>
                   </a:solidFill>
@@ -6915,14 +6915,14 @@
             </a:ln>
             <a:extLst>
               <a:ext uri="{909E8E84-426E-40dd-AFC4-6F175D3DCCD1}">
-                <a14:hiddenFill xmlns:a14="http://schemas.microsoft.com/office/drawing/2010/main" xmlns="">
+                <a14:hiddenFill xmlns="" xmlns:a14="http://schemas.microsoft.com/office/drawing/2010/main">
                   <a:solidFill>
                     <a:srgbClr val="FFFFFF"/>
                   </a:solidFill>
                 </a14:hiddenFill>
               </a:ext>
               <a:ext uri="{91240B29-F687-4f45-9708-019B960494DF}">
-                <a14:hiddenLine xmlns:a14="http://schemas.microsoft.com/office/drawing/2010/main" xmlns="" w="9525">
+                <a14:hiddenLine xmlns="" xmlns:a14="http://schemas.microsoft.com/office/drawing/2010/main" w="9525">
                   <a:solidFill>
                     <a:srgbClr val="000000"/>
                   </a:solidFill>
@@ -7248,14 +7248,14 @@
             </a:ln>
             <a:extLst>
               <a:ext uri="{909E8E84-426E-40dd-AFC4-6F175D3DCCD1}">
-                <a14:hiddenFill xmlns:a14="http://schemas.microsoft.com/office/drawing/2010/main" xmlns="">
+                <a14:hiddenFill xmlns="" xmlns:a14="http://schemas.microsoft.com/office/drawing/2010/main">
                   <a:solidFill>
                     <a:srgbClr val="FFFFFF"/>
                   </a:solidFill>
                 </a14:hiddenFill>
               </a:ext>
               <a:ext uri="{91240B29-F687-4f45-9708-019B960494DF}">
-                <a14:hiddenLine xmlns:a14="http://schemas.microsoft.com/office/drawing/2010/main" xmlns="" w="9525">
+                <a14:hiddenLine xmlns="" xmlns:a14="http://schemas.microsoft.com/office/drawing/2010/main" w="9525">
                   <a:solidFill>
                     <a:srgbClr val="000000"/>
                   </a:solidFill>
@@ -7581,14 +7581,14 @@
             </a:ln>
             <a:extLst>
               <a:ext uri="{909E8E84-426E-40dd-AFC4-6F175D3DCCD1}">
-                <a14:hiddenFill xmlns:a14="http://schemas.microsoft.com/office/drawing/2010/main" xmlns="">
+                <a14:hiddenFill xmlns="" xmlns:a14="http://schemas.microsoft.com/office/drawing/2010/main">
                   <a:solidFill>
                     <a:srgbClr val="FFFFFF"/>
                   </a:solidFill>
                 </a14:hiddenFill>
               </a:ext>
               <a:ext uri="{91240B29-F687-4f45-9708-019B960494DF}">
-                <a14:hiddenLine xmlns:a14="http://schemas.microsoft.com/office/drawing/2010/main" xmlns="" w="9525">
+                <a14:hiddenLine xmlns="" xmlns:a14="http://schemas.microsoft.com/office/drawing/2010/main" w="9525">
                   <a:solidFill>
                     <a:srgbClr val="000000"/>
                   </a:solidFill>
@@ -7914,14 +7914,14 @@
             </a:ln>
             <a:extLst>
               <a:ext uri="{909E8E84-426E-40dd-AFC4-6F175D3DCCD1}">
-                <a14:hiddenFill xmlns:a14="http://schemas.microsoft.com/office/drawing/2010/main" xmlns="">
+                <a14:hiddenFill xmlns="" xmlns:a14="http://schemas.microsoft.com/office/drawing/2010/main">
                   <a:solidFill>
                     <a:srgbClr val="FFFFFF"/>
                   </a:solidFill>
                 </a14:hiddenFill>
               </a:ext>
               <a:ext uri="{91240B29-F687-4f45-9708-019B960494DF}">
-                <a14:hiddenLine xmlns:a14="http://schemas.microsoft.com/office/drawing/2010/main" xmlns="" w="9525">
+                <a14:hiddenLine xmlns="" xmlns:a14="http://schemas.microsoft.com/office/drawing/2010/main" w="9525">
                   <a:solidFill>
                     <a:srgbClr val="000000"/>
                   </a:solidFill>
@@ -8250,14 +8250,14 @@
             </a:ln>
             <a:extLst>
               <a:ext uri="{909E8E84-426E-40dd-AFC4-6F175D3DCCD1}">
-                <a14:hiddenFill xmlns:a14="http://schemas.microsoft.com/office/drawing/2010/main" xmlns="">
+                <a14:hiddenFill xmlns="" xmlns:a14="http://schemas.microsoft.com/office/drawing/2010/main">
                   <a:solidFill>
                     <a:srgbClr val="FFFFFF"/>
                   </a:solidFill>
                 </a14:hiddenFill>
               </a:ext>
               <a:ext uri="{91240B29-F687-4f45-9708-019B960494DF}">
-                <a14:hiddenLine xmlns:a14="http://schemas.microsoft.com/office/drawing/2010/main" xmlns="" w="9525">
+                <a14:hiddenLine xmlns="" xmlns:a14="http://schemas.microsoft.com/office/drawing/2010/main" w="9525">
                   <a:solidFill>
                     <a:srgbClr val="000000"/>
                   </a:solidFill>
@@ -9279,14 +9279,14 @@
           </a:ln>
           <a:extLst>
             <a:ext uri="{909E8E84-426E-40dd-AFC4-6F175D3DCCD1}">
-              <a14:hiddenFill xmlns:a14="http://schemas.microsoft.com/office/drawing/2010/main" xmlns="">
+              <a14:hiddenFill xmlns="" xmlns:a14="http://schemas.microsoft.com/office/drawing/2010/main">
                 <a:solidFill>
                   <a:srgbClr val="FFFFFF"/>
                 </a:solidFill>
               </a14:hiddenFill>
             </a:ext>
             <a:ext uri="{91240B29-F687-4f45-9708-019B960494DF}">
-              <a14:hiddenLine xmlns:a14="http://schemas.microsoft.com/office/drawing/2010/main" xmlns="" w="9525">
+              <a14:hiddenLine xmlns="" xmlns:a14="http://schemas.microsoft.com/office/drawing/2010/main" w="9525">
                 <a:solidFill>
                   <a:srgbClr val="000000"/>
                 </a:solidFill>

--- a/assets/lectures/cbw-cshl/2019/mini/RNASeq_MiniLecture_11_01_DifferentialExpression.pptx
+++ b/assets/lectures/cbw-cshl/2019/mini/RNASeq_MiniLecture_11_01_DifferentialExpression.pptx
@@ -5,22 +5,20 @@
     <p:sldMasterId id="2147483660" r:id="rId1"/>
   </p:sldMasterIdLst>
   <p:notesMasterIdLst>
-    <p:notesMasterId r:id="rId15"/>
+    <p:notesMasterId r:id="rId13"/>
   </p:notesMasterIdLst>
   <p:sldIdLst>
     <p:sldId id="259" r:id="rId2"/>
     <p:sldId id="524" r:id="rId3"/>
     <p:sldId id="536" r:id="rId4"/>
     <p:sldId id="525" r:id="rId5"/>
-    <p:sldId id="526" r:id="rId6"/>
-    <p:sldId id="527" r:id="rId7"/>
-    <p:sldId id="528" r:id="rId8"/>
-    <p:sldId id="529" r:id="rId9"/>
-    <p:sldId id="530" r:id="rId10"/>
-    <p:sldId id="531" r:id="rId11"/>
-    <p:sldId id="532" r:id="rId12"/>
-    <p:sldId id="533" r:id="rId13"/>
-    <p:sldId id="535" r:id="rId14"/>
+    <p:sldId id="528" r:id="rId6"/>
+    <p:sldId id="529" r:id="rId7"/>
+    <p:sldId id="530" r:id="rId8"/>
+    <p:sldId id="531" r:id="rId9"/>
+    <p:sldId id="532" r:id="rId10"/>
+    <p:sldId id="533" r:id="rId11"/>
+    <p:sldId id="535" r:id="rId12"/>
   </p:sldIdLst>
   <p:sldSz cx="12192000" cy="6858000"/>
   <p:notesSz cx="6858000" cy="9144000"/>
@@ -209,7 +207,7 @@
           <a:p>
             <a:fld id="{827BD9F9-8452-A342-BB1B-28ECF19E2CC5}" type="datetimeFigureOut">
               <a:rPr lang="en-US" smtClean="0"/>
-              <a:t>3/12/19</a:t>
+              <a:t>3/14/19</a:t>
             </a:fld>
             <a:endParaRPr lang="en-US"/>
           </a:p>
@@ -520,14 +518,6 @@
           <a:bodyPr/>
           <a:lstStyle/>
           <a:p>
-            <a:r>
-              <a:rPr lang="en-US" dirty="0"/>
-              <a:t>We recommend </a:t>
-            </a:r>
-            <a:r>
-              <a:rPr lang="en-US" dirty="0" err="1"/>
-              <a:t>intersection_strict</a:t>
-            </a:r>
             <a:endParaRPr lang="en-US" dirty="0"/>
           </a:p>
         </p:txBody>
@@ -539,7 +529,7 @@
             <a:spLocks noGrp="1"/>
           </p:cNvSpPr>
           <p:nvPr>
-            <p:ph type="sldNum" sz="quarter" idx="10"/>
+            <p:ph type="sldNum" sz="quarter" idx="5"/>
           </p:nvPr>
         </p:nvSpPr>
         <p:spPr/>
@@ -547,15 +537,9 @@
           <a:bodyPr/>
           <a:lstStyle/>
           <a:p>
-            <a:pPr>
-              <a:defRPr/>
-            </a:pPr>
-            <a:fld id="{F3969550-FBCF-404B-9FAA-7B1DCDF2C4FF}" type="slidenum">
+            <a:fld id="{91C65747-E6F5-D94A-981D-658B04DED679}" type="slidenum">
               <a:rPr lang="en-US" smtClean="0"/>
-              <a:pPr>
-                <a:defRPr/>
-              </a:pPr>
-              <a:t>6</a:t>
+              <a:t>9</a:t>
             </a:fld>
             <a:endParaRPr lang="en-US"/>
           </a:p>
@@ -564,7 +548,7 @@
     </p:spTree>
     <p:extLst>
       <p:ext uri="{BB962C8B-B14F-4D97-AF65-F5344CB8AC3E}">
-        <p14:creationId xmlns:p14="http://schemas.microsoft.com/office/powerpoint/2010/main" val="1925566056"/>
+        <p14:creationId xmlns:p14="http://schemas.microsoft.com/office/powerpoint/2010/main" val="2264423928"/>
       </p:ext>
     </p:extLst>
   </p:cSld>
@@ -640,90 +624,6 @@
             <a:fld id="{91C65747-E6F5-D94A-981D-658B04DED679}" type="slidenum">
               <a:rPr lang="en-US" smtClean="0"/>
               <a:t>11</a:t>
-            </a:fld>
-            <a:endParaRPr lang="en-US"/>
-          </a:p>
-        </p:txBody>
-      </p:sp>
-    </p:spTree>
-    <p:extLst>
-      <p:ext uri="{BB962C8B-B14F-4D97-AF65-F5344CB8AC3E}">
-        <p14:creationId xmlns:p14="http://schemas.microsoft.com/office/powerpoint/2010/main" val="2264423928"/>
-      </p:ext>
-    </p:extLst>
-  </p:cSld>
-  <p:clrMapOvr>
-    <a:masterClrMapping/>
-  </p:clrMapOvr>
-</p:notes>
-</file>
-
-<file path=ppt/notesSlides/notesSlide3.xml><?xml version="1.0" encoding="utf-8"?>
-<p:notes xmlns:a="http://schemas.openxmlformats.org/drawingml/2006/main" xmlns:r="http://schemas.openxmlformats.org/officeDocument/2006/relationships" xmlns:p="http://schemas.openxmlformats.org/presentationml/2006/main">
-  <p:cSld>
-    <p:spTree>
-      <p:nvGrpSpPr>
-        <p:cNvPr id="1" name=""/>
-        <p:cNvGrpSpPr/>
-        <p:nvPr/>
-      </p:nvGrpSpPr>
-      <p:grpSpPr>
-        <a:xfrm>
-          <a:off x="0" y="0"/>
-          <a:ext cx="0" cy="0"/>
-          <a:chOff x="0" y="0"/>
-          <a:chExt cx="0" cy="0"/>
-        </a:xfrm>
-      </p:grpSpPr>
-      <p:sp>
-        <p:nvSpPr>
-          <p:cNvPr id="2" name="Slide Image Placeholder 1"/>
-          <p:cNvSpPr>
-            <a:spLocks noGrp="1" noRot="1" noChangeAspect="1"/>
-          </p:cNvSpPr>
-          <p:nvPr>
-            <p:ph type="sldImg"/>
-          </p:nvPr>
-        </p:nvSpPr>
-        <p:spPr/>
-      </p:sp>
-      <p:sp>
-        <p:nvSpPr>
-          <p:cNvPr id="3" name="Notes Placeholder 2"/>
-          <p:cNvSpPr>
-            <a:spLocks noGrp="1"/>
-          </p:cNvSpPr>
-          <p:nvPr>
-            <p:ph type="body" idx="1"/>
-          </p:nvPr>
-        </p:nvSpPr>
-        <p:spPr/>
-        <p:txBody>
-          <a:bodyPr/>
-          <a:lstStyle/>
-          <a:p>
-            <a:endParaRPr lang="en-US" dirty="0"/>
-          </a:p>
-        </p:txBody>
-      </p:sp>
-      <p:sp>
-        <p:nvSpPr>
-          <p:cNvPr id="4" name="Slide Number Placeholder 3"/>
-          <p:cNvSpPr>
-            <a:spLocks noGrp="1"/>
-          </p:cNvSpPr>
-          <p:nvPr>
-            <p:ph type="sldNum" sz="quarter" idx="5"/>
-          </p:nvPr>
-        </p:nvSpPr>
-        <p:spPr/>
-        <p:txBody>
-          <a:bodyPr/>
-          <a:lstStyle/>
-          <a:p>
-            <a:fld id="{91C65747-E6F5-D94A-981D-658B04DED679}" type="slidenum">
-              <a:rPr lang="en-US" smtClean="0"/>
-              <a:t>13</a:t>
             </a:fld>
             <a:endParaRPr lang="en-US"/>
           </a:p>
@@ -996,14 +896,14 @@
           </a:ln>
           <a:extLst>
             <a:ext uri="{909E8E84-426E-40dd-AFC4-6F175D3DCCD1}">
-              <a14:hiddenFill xmlns:a14="http://schemas.microsoft.com/office/drawing/2010/main" xmlns="">
+              <a14:hiddenFill xmlns="" xmlns:a14="http://schemas.microsoft.com/office/drawing/2010/main">
                 <a:solidFill>
                   <a:srgbClr val="FFFFFF"/>
                 </a:solidFill>
               </a14:hiddenFill>
             </a:ext>
             <a:ext uri="{91240B29-F687-4f45-9708-019B960494DF}">
-              <a14:hiddenLine xmlns:a14="http://schemas.microsoft.com/office/drawing/2010/main" xmlns="" w="9525">
+              <a14:hiddenLine xmlns="" xmlns:a14="http://schemas.microsoft.com/office/drawing/2010/main" w="9525">
                 <a:solidFill>
                   <a:srgbClr val="000000"/>
                 </a:solidFill>
@@ -3759,14 +3659,14 @@
           </a:ln>
           <a:extLst>
             <a:ext uri="{909E8E84-426E-40dd-AFC4-6F175D3DCCD1}">
-              <a14:hiddenFill xmlns:a14="http://schemas.microsoft.com/office/drawing/2010/main" xmlns="">
+              <a14:hiddenFill xmlns="" xmlns:a14="http://schemas.microsoft.com/office/drawing/2010/main">
                 <a:solidFill>
                   <a:srgbClr val="FFFFFF"/>
                 </a:solidFill>
               </a14:hiddenFill>
             </a:ext>
             <a:ext uri="{91240B29-F687-4f45-9708-019B960494DF}">
-              <a14:hiddenLine xmlns:a14="http://schemas.microsoft.com/office/drawing/2010/main" xmlns="" w="9525">
+              <a14:hiddenLine xmlns="" xmlns:a14="http://schemas.microsoft.com/office/drawing/2010/main" w="9525">
                 <a:solidFill>
                   <a:srgbClr val="000000"/>
                 </a:solidFill>
@@ -4653,14 +4553,14 @@
           </a:ln>
           <a:extLst>
             <a:ext uri="{909E8E84-426E-40dd-AFC4-6F175D3DCCD1}">
-              <a14:hiddenFill xmlns:a14="http://schemas.microsoft.com/office/drawing/2010/main" xmlns="">
+              <a14:hiddenFill xmlns="" xmlns:a14="http://schemas.microsoft.com/office/drawing/2010/main">
                 <a:solidFill>
                   <a:srgbClr val="FFFFFF"/>
                 </a:solidFill>
               </a14:hiddenFill>
             </a:ext>
             <a:ext uri="{91240B29-F687-4f45-9708-019B960494DF}">
-              <a14:hiddenLine xmlns:a14="http://schemas.microsoft.com/office/drawing/2010/main" xmlns="" w="9525">
+              <a14:hiddenLine xmlns="" xmlns:a14="http://schemas.microsoft.com/office/drawing/2010/main" w="9525">
                 <a:solidFill>
                   <a:srgbClr val="000000"/>
                 </a:solidFill>
@@ -4704,461 +4604,6 @@
       </p:grpSpPr>
       <p:sp>
         <p:nvSpPr>
-          <p:cNvPr id="34817" name="Title 1"/>
-          <p:cNvSpPr>
-            <a:spLocks noGrp="1"/>
-          </p:cNvSpPr>
-          <p:nvPr>
-            <p:ph type="title"/>
-          </p:nvPr>
-        </p:nvSpPr>
-        <p:spPr>
-          <a:xfrm>
-            <a:off x="838200" y="0"/>
-            <a:ext cx="10515600" cy="1325563"/>
-          </a:xfrm>
-        </p:spPr>
-        <p:txBody>
-          <a:bodyPr/>
-          <a:lstStyle/>
-          <a:p>
-            <a:pPr algn="ctr"/>
-            <a:r>
-              <a:rPr lang="en-US" b="1" dirty="0">
-                <a:latin typeface="Calibri" charset="0"/>
-                <a:ea typeface="ＭＳ Ｐゴシック" charset="0"/>
-              </a:rPr>
-              <a:t>Lessons learned from microarray days</a:t>
-            </a:r>
-          </a:p>
-        </p:txBody>
-      </p:sp>
-      <p:sp>
-        <p:nvSpPr>
-          <p:cNvPr id="34818" name="Content Placeholder 2"/>
-          <p:cNvSpPr>
-            <a:spLocks noGrp="1"/>
-          </p:cNvSpPr>
-          <p:nvPr>
-            <p:ph idx="1"/>
-          </p:nvPr>
-        </p:nvSpPr>
-        <p:spPr>
-          <a:xfrm>
-            <a:off x="838200" y="1555668"/>
-            <a:ext cx="10515600" cy="4621295"/>
-          </a:xfrm>
-        </p:spPr>
-        <p:txBody>
-          <a:bodyPr>
-            <a:normAutofit/>
-          </a:bodyPr>
-          <a:lstStyle/>
-          <a:p>
-            <a:r>
-              <a:rPr lang="en-US" dirty="0">
-                <a:latin typeface="Calibri" charset="0"/>
-                <a:ea typeface="ＭＳ Ｐゴシック" charset="0"/>
-              </a:rPr>
-              <a:t>Hansen et al. “Sequencing Technology Does Not Eliminate Biological Variability.” Nature Biotechnology 29, no. 7 (2011): 572–573.</a:t>
-            </a:r>
-            <a:br>
-              <a:rPr lang="en-US" dirty="0">
-                <a:latin typeface="Calibri" charset="0"/>
-                <a:ea typeface="ＭＳ Ｐゴシック" charset="0"/>
-              </a:rPr>
-            </a:br>
-            <a:endParaRPr lang="en-US" dirty="0">
-              <a:latin typeface="Calibri" charset="0"/>
-              <a:ea typeface="ＭＳ Ｐゴシック" charset="0"/>
-            </a:endParaRPr>
-          </a:p>
-          <a:p>
-            <a:r>
-              <a:rPr lang="en-US" dirty="0">
-                <a:latin typeface="Calibri" charset="0"/>
-                <a:ea typeface="ＭＳ Ｐゴシック" charset="0"/>
-              </a:rPr>
-              <a:t>Power analysis for RNA-seq experiments</a:t>
-            </a:r>
-          </a:p>
-          <a:p>
-            <a:pPr lvl="1"/>
-            <a:r>
-              <a:rPr lang="en-US" dirty="0">
-                <a:latin typeface="Calibri" charset="0"/>
-                <a:ea typeface="ＭＳ Ｐゴシック" charset="0"/>
-                <a:hlinkClick r:id="rId2"/>
-              </a:rPr>
-              <a:t>http://euler.bc.edu/marthlab/scotty/scotty.php</a:t>
-            </a:r>
-            <a:br>
-              <a:rPr lang="en-US" dirty="0">
-                <a:latin typeface="Calibri" charset="0"/>
-                <a:ea typeface="ＭＳ Ｐゴシック" charset="0"/>
-              </a:rPr>
-            </a:br>
-            <a:endParaRPr lang="en-US" dirty="0">
-              <a:latin typeface="Calibri" charset="0"/>
-              <a:ea typeface="ＭＳ Ｐゴシック" charset="0"/>
-            </a:endParaRPr>
-          </a:p>
-          <a:p>
-            <a:r>
-              <a:rPr lang="en-US" dirty="0">
-                <a:latin typeface="Calibri" charset="0"/>
-                <a:ea typeface="ＭＳ Ｐゴシック" charset="0"/>
-              </a:rPr>
-              <a:t>RNA-seq need for biological replicates</a:t>
-            </a:r>
-          </a:p>
-          <a:p>
-            <a:pPr lvl="1"/>
-            <a:r>
-              <a:rPr lang="en-US" dirty="0">
-                <a:latin typeface="Calibri" charset="0"/>
-                <a:ea typeface="ＭＳ Ｐゴシック" charset="0"/>
-                <a:hlinkClick r:id="rId3"/>
-              </a:rPr>
-              <a:t>http://www.biostars.org/p/1161/</a:t>
-            </a:r>
-            <a:br>
-              <a:rPr lang="en-US" dirty="0">
-                <a:latin typeface="Calibri" charset="0"/>
-                <a:ea typeface="ＭＳ Ｐゴシック" charset="0"/>
-              </a:rPr>
-            </a:br>
-            <a:endParaRPr lang="en-US" dirty="0">
-              <a:latin typeface="Calibri" charset="0"/>
-              <a:ea typeface="ＭＳ Ｐゴシック" charset="0"/>
-            </a:endParaRPr>
-          </a:p>
-          <a:p>
-            <a:r>
-              <a:rPr lang="en-US" dirty="0">
-                <a:latin typeface="Calibri" charset="0"/>
-                <a:ea typeface="ＭＳ Ｐゴシック" charset="0"/>
-              </a:rPr>
-              <a:t>RNA-seq study design</a:t>
-            </a:r>
-          </a:p>
-          <a:p>
-            <a:pPr lvl="1"/>
-            <a:r>
-              <a:rPr lang="en-US" dirty="0">
-                <a:latin typeface="Calibri" charset="0"/>
-                <a:ea typeface="ＭＳ Ｐゴシック" charset="0"/>
-                <a:hlinkClick r:id="rId4"/>
-              </a:rPr>
-              <a:t>http://www.biostars.org/p/68885/</a:t>
-            </a:r>
-            <a:endParaRPr lang="en-US" dirty="0">
-              <a:latin typeface="Calibri" charset="0"/>
-              <a:ea typeface="ＭＳ Ｐゴシック" charset="0"/>
-            </a:endParaRPr>
-          </a:p>
-          <a:p>
-            <a:endParaRPr lang="en-US" dirty="0">
-              <a:latin typeface="Calibri" charset="0"/>
-              <a:ea typeface="ＭＳ Ｐゴシック" charset="0"/>
-            </a:endParaRPr>
-          </a:p>
-        </p:txBody>
-      </p:sp>
-    </p:spTree>
-    <p:extLst>
-      <p:ext uri="{BB962C8B-B14F-4D97-AF65-F5344CB8AC3E}">
-        <p14:creationId xmlns:p14="http://schemas.microsoft.com/office/powerpoint/2010/main" val="3557169646"/>
-      </p:ext>
-    </p:extLst>
-  </p:cSld>
-  <p:clrMapOvr>
-    <a:masterClrMapping/>
-  </p:clrMapOvr>
-</p:sld>
-</file>
-
-<file path=ppt/slides/slide11.xml><?xml version="1.0" encoding="utf-8"?>
-<p:sld xmlns:a="http://schemas.openxmlformats.org/drawingml/2006/main" xmlns:r="http://schemas.openxmlformats.org/officeDocument/2006/relationships" xmlns:p="http://schemas.openxmlformats.org/presentationml/2006/main">
-  <p:cSld>
-    <p:spTree>
-      <p:nvGrpSpPr>
-        <p:cNvPr id="1" name=""/>
-        <p:cNvGrpSpPr/>
-        <p:nvPr/>
-      </p:nvGrpSpPr>
-      <p:grpSpPr>
-        <a:xfrm>
-          <a:off x="0" y="0"/>
-          <a:ext cx="0" cy="0"/>
-          <a:chOff x="0" y="0"/>
-          <a:chExt cx="0" cy="0"/>
-        </a:xfrm>
-      </p:grpSpPr>
-      <p:sp>
-        <p:nvSpPr>
-          <p:cNvPr id="35841" name="Title 1"/>
-          <p:cNvSpPr>
-            <a:spLocks noGrp="1"/>
-          </p:cNvSpPr>
-          <p:nvPr>
-            <p:ph type="title"/>
-          </p:nvPr>
-        </p:nvSpPr>
-        <p:spPr>
-          <a:xfrm>
-            <a:off x="1676400" y="53752"/>
-            <a:ext cx="8839200" cy="1143000"/>
-          </a:xfrm>
-        </p:spPr>
-        <p:txBody>
-          <a:bodyPr/>
-          <a:lstStyle/>
-          <a:p>
-            <a:pPr algn="ctr"/>
-            <a:r>
-              <a:rPr lang="en-US" b="1" dirty="0">
-                <a:latin typeface="Calibri" charset="0"/>
-                <a:ea typeface="ＭＳ Ｐゴシック" charset="0"/>
-              </a:rPr>
-              <a:t>Multiple testing correction</a:t>
-            </a:r>
-          </a:p>
-        </p:txBody>
-      </p:sp>
-      <p:sp>
-        <p:nvSpPr>
-          <p:cNvPr id="35842" name="Content Placeholder 2"/>
-          <p:cNvSpPr>
-            <a:spLocks noGrp="1"/>
-          </p:cNvSpPr>
-          <p:nvPr>
-            <p:ph idx="1"/>
-          </p:nvPr>
-        </p:nvSpPr>
-        <p:spPr>
-          <a:xfrm>
-            <a:off x="581891" y="1196752"/>
-            <a:ext cx="10877797" cy="4968552"/>
-          </a:xfrm>
-        </p:spPr>
-        <p:txBody>
-          <a:bodyPr>
-            <a:normAutofit lnSpcReduction="10000"/>
-          </a:bodyPr>
-          <a:lstStyle/>
-          <a:p>
-            <a:r>
-              <a:rPr lang="en-US" dirty="0">
-                <a:latin typeface="Calibri" charset="0"/>
-                <a:ea typeface="ＭＳ Ｐゴシック" charset="0"/>
-              </a:rPr>
-              <a:t>As more attributes are compared, differences due solely to chance become more likely! </a:t>
-            </a:r>
-            <a:br>
-              <a:rPr lang="en-US" dirty="0">
-                <a:latin typeface="Calibri" charset="0"/>
-                <a:ea typeface="ＭＳ Ｐゴシック" charset="0"/>
-              </a:rPr>
-            </a:br>
-            <a:endParaRPr lang="en-US" dirty="0">
-              <a:latin typeface="Calibri" charset="0"/>
-              <a:ea typeface="ＭＳ Ｐゴシック" charset="0"/>
-            </a:endParaRPr>
-          </a:p>
-          <a:p>
-            <a:r>
-              <a:rPr lang="en-US" dirty="0">
-                <a:latin typeface="Calibri" charset="0"/>
-                <a:ea typeface="ＭＳ Ｐゴシック" charset="0"/>
-              </a:rPr>
-              <a:t>Well known from array studies</a:t>
-            </a:r>
-          </a:p>
-          <a:p>
-            <a:pPr lvl="1"/>
-            <a:r>
-              <a:rPr lang="en-US" dirty="0">
-                <a:latin typeface="Calibri" charset="0"/>
-                <a:ea typeface="ＭＳ Ｐゴシック" charset="0"/>
-              </a:rPr>
-              <a:t>10,000s genes/transcripts</a:t>
-            </a:r>
-          </a:p>
-          <a:p>
-            <a:pPr lvl="1"/>
-            <a:r>
-              <a:rPr lang="en-US" dirty="0">
-                <a:latin typeface="Calibri" charset="0"/>
-                <a:ea typeface="ＭＳ Ｐゴシック" charset="0"/>
-              </a:rPr>
-              <a:t>100,000s exons</a:t>
-            </a:r>
-            <a:br>
-              <a:rPr lang="en-US" dirty="0">
-                <a:latin typeface="Calibri" charset="0"/>
-                <a:ea typeface="ＭＳ Ｐゴシック" charset="0"/>
-              </a:rPr>
-            </a:br>
-            <a:endParaRPr lang="en-US" dirty="0">
-              <a:latin typeface="Calibri" charset="0"/>
-              <a:ea typeface="ＭＳ Ｐゴシック" charset="0"/>
-            </a:endParaRPr>
-          </a:p>
-          <a:p>
-            <a:pPr marL="342900" lvl="1" indent="-342900">
-              <a:buFont typeface="Arial" charset="0"/>
-              <a:buChar char="•"/>
-            </a:pPr>
-            <a:r>
-              <a:rPr lang="en-US" dirty="0">
-                <a:latin typeface="Calibri" charset="0"/>
-                <a:ea typeface="ＭＳ Ｐゴシック" charset="0"/>
-              </a:rPr>
-              <a:t>With RNA-</a:t>
-            </a:r>
-            <a:r>
-              <a:rPr lang="en-US" dirty="0" err="1">
-                <a:latin typeface="Calibri" charset="0"/>
-                <a:ea typeface="ＭＳ Ｐゴシック" charset="0"/>
-              </a:rPr>
-              <a:t>seq</a:t>
-            </a:r>
-            <a:r>
-              <a:rPr lang="en-US" dirty="0">
-                <a:latin typeface="Calibri" charset="0"/>
-                <a:ea typeface="ＭＳ Ｐゴシック" charset="0"/>
-              </a:rPr>
-              <a:t>, more of a problem than ever</a:t>
-            </a:r>
-          </a:p>
-          <a:p>
-            <a:pPr lvl="1"/>
-            <a:r>
-              <a:rPr lang="en-US" dirty="0">
-                <a:latin typeface="Calibri" charset="0"/>
-                <a:ea typeface="ＭＳ Ｐゴシック" charset="0"/>
-              </a:rPr>
-              <a:t>All the complexity of the transcriptome gives huge numbers of potential features</a:t>
-            </a:r>
-          </a:p>
-          <a:p>
-            <a:pPr lvl="2"/>
-            <a:r>
-              <a:rPr lang="en-US" dirty="0">
-                <a:latin typeface="Calibri" charset="0"/>
-                <a:ea typeface="ＭＳ Ｐゴシック" charset="0"/>
-              </a:rPr>
-              <a:t>Genes, transcripts, exons, junctions, retained introns, microRNAs, </a:t>
-            </a:r>
-            <a:r>
-              <a:rPr lang="en-US" dirty="0" err="1">
-                <a:latin typeface="Calibri" charset="0"/>
-                <a:ea typeface="ＭＳ Ｐゴシック" charset="0"/>
-              </a:rPr>
-              <a:t>lncRNAs</a:t>
-            </a:r>
-            <a:r>
-              <a:rPr lang="en-US" dirty="0">
-                <a:latin typeface="Calibri" charset="0"/>
-                <a:ea typeface="ＭＳ Ｐゴシック" charset="0"/>
-              </a:rPr>
-              <a:t>, </a:t>
-            </a:r>
-            <a:r>
-              <a:rPr lang="en-US" dirty="0" err="1">
-                <a:latin typeface="Calibri" charset="0"/>
-                <a:ea typeface="ＭＳ Ｐゴシック" charset="0"/>
-              </a:rPr>
-              <a:t>etc</a:t>
-            </a:r>
-            <a:br>
-              <a:rPr lang="en-US" dirty="0">
-                <a:latin typeface="Calibri" charset="0"/>
-                <a:ea typeface="ＭＳ Ｐゴシック" charset="0"/>
-              </a:rPr>
-            </a:br>
-            <a:endParaRPr lang="en-US" dirty="0">
-              <a:latin typeface="Calibri" charset="0"/>
-              <a:ea typeface="ＭＳ Ｐゴシック" charset="0"/>
-            </a:endParaRPr>
-          </a:p>
-          <a:p>
-            <a:r>
-              <a:rPr lang="en-US" dirty="0" err="1">
-                <a:latin typeface="Calibri" charset="0"/>
-                <a:ea typeface="ＭＳ Ｐゴシック" charset="0"/>
-              </a:rPr>
-              <a:t>Bioconductor</a:t>
-            </a:r>
-            <a:r>
-              <a:rPr lang="en-US" dirty="0">
-                <a:latin typeface="Calibri" charset="0"/>
-                <a:ea typeface="ＭＳ Ｐゴシック" charset="0"/>
-              </a:rPr>
-              <a:t> </a:t>
-            </a:r>
-            <a:r>
-              <a:rPr lang="en-US" dirty="0" err="1">
-                <a:latin typeface="Calibri" charset="0"/>
-                <a:ea typeface="ＭＳ Ｐゴシック" charset="0"/>
-              </a:rPr>
-              <a:t>multtest</a:t>
-            </a:r>
-            <a:endParaRPr lang="en-US" dirty="0">
-              <a:latin typeface="Calibri" charset="0"/>
-              <a:ea typeface="ＭＳ Ｐゴシック" charset="0"/>
-            </a:endParaRPr>
-          </a:p>
-          <a:p>
-            <a:pPr lvl="1"/>
-            <a:r>
-              <a:rPr lang="en-US" sz="1800" dirty="0">
-                <a:latin typeface="Calibri" charset="0"/>
-                <a:ea typeface="ＭＳ Ｐゴシック" charset="0"/>
-                <a:hlinkClick r:id="rId3"/>
-              </a:rPr>
-              <a:t>http://www.bioconductor.org/packages/release/bioc/html/multtest.html</a:t>
-            </a:r>
-            <a:endParaRPr lang="en-US" sz="1800" dirty="0">
-              <a:latin typeface="Calibri" charset="0"/>
-              <a:ea typeface="ＭＳ Ｐゴシック" charset="0"/>
-            </a:endParaRPr>
-          </a:p>
-        </p:txBody>
-      </p:sp>
-    </p:spTree>
-    <p:extLst>
-      <p:ext uri="{BB962C8B-B14F-4D97-AF65-F5344CB8AC3E}">
-        <p14:creationId xmlns:p14="http://schemas.microsoft.com/office/powerpoint/2010/main" val="142660334"/>
-      </p:ext>
-    </p:extLst>
-  </p:cSld>
-  <p:clrMapOvr>
-    <a:masterClrMapping/>
-  </p:clrMapOvr>
-</p:sld>
-</file>
-
-<file path=ppt/slides/slide12.xml><?xml version="1.0" encoding="utf-8"?>
-<p:sld xmlns:a="http://schemas.openxmlformats.org/drawingml/2006/main" xmlns:r="http://schemas.openxmlformats.org/officeDocument/2006/relationships" xmlns:p="http://schemas.openxmlformats.org/presentationml/2006/main">
-  <p:cSld>
-    <p:spTree>
-      <p:nvGrpSpPr>
-        <p:cNvPr id="1" name=""/>
-        <p:cNvGrpSpPr/>
-        <p:nvPr/>
-      </p:nvGrpSpPr>
-      <p:grpSpPr>
-        <a:xfrm>
-          <a:off x="0" y="0"/>
-          <a:ext cx="0" cy="0"/>
-          <a:chOff x="0" y="0"/>
-          <a:chExt cx="0" cy="0"/>
-        </a:xfrm>
-      </p:grpSpPr>
-      <p:sp>
-        <p:nvSpPr>
           <p:cNvPr id="16385" name="Title 1"/>
           <p:cNvSpPr>
             <a:spLocks noGrp="1"/>
@@ -5780,7 +5225,7 @@
 </p:sld>
 </file>
 
-<file path=ppt/slides/slide13.xml><?xml version="1.0" encoding="utf-8"?>
+<file path=ppt/slides/slide11.xml><?xml version="1.0" encoding="utf-8"?>
 <p:sld xmlns:a="http://schemas.openxmlformats.org/drawingml/2006/main" xmlns:r="http://schemas.openxmlformats.org/officeDocument/2006/relationships" xmlns:p="http://schemas.openxmlformats.org/presentationml/2006/main">
   <p:cSld>
     <p:spTree>
@@ -6108,14 +5553,14 @@
           </a:ln>
           <a:extLst>
             <a:ext uri="{909E8E84-426E-40dd-AFC4-6F175D3DCCD1}">
-              <a14:hiddenFill xmlns="" xmlns:a14="http://schemas.microsoft.com/office/drawing/2010/main">
+              <a14:hiddenFill xmlns:a14="http://schemas.microsoft.com/office/drawing/2010/main" xmlns="">
                 <a:solidFill>
                   <a:srgbClr val="FFFFFF"/>
                 </a:solidFill>
               </a14:hiddenFill>
             </a:ext>
             <a:ext uri="{91240B29-F687-4f45-9708-019B960494DF}">
-              <a14:hiddenLine xmlns="" xmlns:a14="http://schemas.microsoft.com/office/drawing/2010/main" w="9525">
+              <a14:hiddenLine xmlns:a14="http://schemas.microsoft.com/office/drawing/2010/main" xmlns="" w="9525">
                 <a:solidFill>
                   <a:srgbClr val="000000"/>
                 </a:solidFill>
@@ -6596,14 +6041,14 @@
             </a:ln>
             <a:extLst>
               <a:ext uri="{909E8E84-426E-40dd-AFC4-6F175D3DCCD1}">
-                <a14:hiddenFill xmlns="" xmlns:a14="http://schemas.microsoft.com/office/drawing/2010/main">
+                <a14:hiddenFill xmlns:a14="http://schemas.microsoft.com/office/drawing/2010/main" xmlns="">
                   <a:solidFill>
                     <a:srgbClr val="FFFFFF"/>
                   </a:solidFill>
                 </a14:hiddenFill>
               </a:ext>
               <a:ext uri="{91240B29-F687-4f45-9708-019B960494DF}">
-                <a14:hiddenLine xmlns="" xmlns:a14="http://schemas.microsoft.com/office/drawing/2010/main" w="9525">
+                <a14:hiddenLine xmlns:a14="http://schemas.microsoft.com/office/drawing/2010/main" xmlns="" w="9525">
                   <a:solidFill>
                     <a:srgbClr val="000000"/>
                   </a:solidFill>
@@ -6915,14 +6360,14 @@
             </a:ln>
             <a:extLst>
               <a:ext uri="{909E8E84-426E-40dd-AFC4-6F175D3DCCD1}">
-                <a14:hiddenFill xmlns="" xmlns:a14="http://schemas.microsoft.com/office/drawing/2010/main">
+                <a14:hiddenFill xmlns:a14="http://schemas.microsoft.com/office/drawing/2010/main" xmlns="">
                   <a:solidFill>
                     <a:srgbClr val="FFFFFF"/>
                   </a:solidFill>
                 </a14:hiddenFill>
               </a:ext>
               <a:ext uri="{91240B29-F687-4f45-9708-019B960494DF}">
-                <a14:hiddenLine xmlns="" xmlns:a14="http://schemas.microsoft.com/office/drawing/2010/main" w="9525">
+                <a14:hiddenLine xmlns:a14="http://schemas.microsoft.com/office/drawing/2010/main" xmlns="" w="9525">
                   <a:solidFill>
                     <a:srgbClr val="000000"/>
                   </a:solidFill>
@@ -7248,14 +6693,14 @@
             </a:ln>
             <a:extLst>
               <a:ext uri="{909E8E84-426E-40dd-AFC4-6F175D3DCCD1}">
-                <a14:hiddenFill xmlns="" xmlns:a14="http://schemas.microsoft.com/office/drawing/2010/main">
+                <a14:hiddenFill xmlns:a14="http://schemas.microsoft.com/office/drawing/2010/main" xmlns="">
                   <a:solidFill>
                     <a:srgbClr val="FFFFFF"/>
                   </a:solidFill>
                 </a14:hiddenFill>
               </a:ext>
               <a:ext uri="{91240B29-F687-4f45-9708-019B960494DF}">
-                <a14:hiddenLine xmlns="" xmlns:a14="http://schemas.microsoft.com/office/drawing/2010/main" w="9525">
+                <a14:hiddenLine xmlns:a14="http://schemas.microsoft.com/office/drawing/2010/main" xmlns="" w="9525">
                   <a:solidFill>
                     <a:srgbClr val="000000"/>
                   </a:solidFill>
@@ -7581,14 +7026,14 @@
             </a:ln>
             <a:extLst>
               <a:ext uri="{909E8E84-426E-40dd-AFC4-6F175D3DCCD1}">
-                <a14:hiddenFill xmlns="" xmlns:a14="http://schemas.microsoft.com/office/drawing/2010/main">
+                <a14:hiddenFill xmlns:a14="http://schemas.microsoft.com/office/drawing/2010/main" xmlns="">
                   <a:solidFill>
                     <a:srgbClr val="FFFFFF"/>
                   </a:solidFill>
                 </a14:hiddenFill>
               </a:ext>
               <a:ext uri="{91240B29-F687-4f45-9708-019B960494DF}">
-                <a14:hiddenLine xmlns="" xmlns:a14="http://schemas.microsoft.com/office/drawing/2010/main" w="9525">
+                <a14:hiddenLine xmlns:a14="http://schemas.microsoft.com/office/drawing/2010/main" xmlns="" w="9525">
                   <a:solidFill>
                     <a:srgbClr val="000000"/>
                   </a:solidFill>
@@ -7914,14 +7359,14 @@
             </a:ln>
             <a:extLst>
               <a:ext uri="{909E8E84-426E-40dd-AFC4-6F175D3DCCD1}">
-                <a14:hiddenFill xmlns="" xmlns:a14="http://schemas.microsoft.com/office/drawing/2010/main">
+                <a14:hiddenFill xmlns:a14="http://schemas.microsoft.com/office/drawing/2010/main" xmlns="">
                   <a:solidFill>
                     <a:srgbClr val="FFFFFF"/>
                   </a:solidFill>
                 </a14:hiddenFill>
               </a:ext>
               <a:ext uri="{91240B29-F687-4f45-9708-019B960494DF}">
-                <a14:hiddenLine xmlns="" xmlns:a14="http://schemas.microsoft.com/office/drawing/2010/main" w="9525">
+                <a14:hiddenLine xmlns:a14="http://schemas.microsoft.com/office/drawing/2010/main" xmlns="" w="9525">
                   <a:solidFill>
                     <a:srgbClr val="000000"/>
                   </a:solidFill>
@@ -8250,14 +7695,14 @@
             </a:ln>
             <a:extLst>
               <a:ext uri="{909E8E84-426E-40dd-AFC4-6F175D3DCCD1}">
-                <a14:hiddenFill xmlns="" xmlns:a14="http://schemas.microsoft.com/office/drawing/2010/main">
+                <a14:hiddenFill xmlns:a14="http://schemas.microsoft.com/office/drawing/2010/main" xmlns="">
                   <a:solidFill>
                     <a:srgbClr val="FFFFFF"/>
                   </a:solidFill>
                 </a14:hiddenFill>
               </a:ext>
               <a:ext uri="{91240B29-F687-4f45-9708-019B960494DF}">
-                <a14:hiddenLine xmlns="" xmlns:a14="http://schemas.microsoft.com/office/drawing/2010/main" w="9525">
+                <a14:hiddenLine xmlns:a14="http://schemas.microsoft.com/office/drawing/2010/main" xmlns="" w="9525">
                   <a:solidFill>
                     <a:srgbClr val="000000"/>
                   </a:solidFill>
@@ -9279,14 +8724,14 @@
           </a:ln>
           <a:extLst>
             <a:ext uri="{909E8E84-426E-40dd-AFC4-6F175D3DCCD1}">
-              <a14:hiddenFill xmlns="" xmlns:a14="http://schemas.microsoft.com/office/drawing/2010/main">
+              <a14:hiddenFill xmlns:a14="http://schemas.microsoft.com/office/drawing/2010/main" xmlns="">
                 <a:solidFill>
                   <a:srgbClr val="FFFFFF"/>
                 </a:solidFill>
               </a14:hiddenFill>
             </a:ext>
             <a:ext uri="{91240B29-F687-4f45-9708-019B960494DF}">
-              <a14:hiddenLine xmlns="" xmlns:a14="http://schemas.microsoft.com/office/drawing/2010/main" w="9525">
+              <a14:hiddenLine xmlns:a14="http://schemas.microsoft.com/office/drawing/2010/main" xmlns="" w="9525">
                 <a:solidFill>
                   <a:srgbClr val="000000"/>
                 </a:solidFill>
@@ -10025,499 +9470,6 @@
       </p:grpSpPr>
       <p:sp>
         <p:nvSpPr>
-          <p:cNvPr id="15361" name="Title 1"/>
-          <p:cNvSpPr>
-            <a:spLocks noGrp="1"/>
-          </p:cNvSpPr>
-          <p:nvPr>
-            <p:ph type="title"/>
-          </p:nvPr>
-        </p:nvSpPr>
-        <p:spPr>
-          <a:xfrm>
-            <a:off x="1676400" y="-27384"/>
-            <a:ext cx="8839200" cy="1143000"/>
-          </a:xfrm>
-        </p:spPr>
-        <p:txBody>
-          <a:bodyPr/>
-          <a:lstStyle/>
-          <a:p>
-            <a:pPr algn="ctr"/>
-            <a:r>
-              <a:rPr lang="en-US" b="1" dirty="0">
-                <a:latin typeface="Calibri" charset="0"/>
-                <a:ea typeface="ＭＳ Ｐゴシック" charset="0"/>
-              </a:rPr>
-              <a:t>Alternatives to FPKM</a:t>
-            </a:r>
-          </a:p>
-        </p:txBody>
-      </p:sp>
-      <p:sp>
-        <p:nvSpPr>
-          <p:cNvPr id="15362" name="Content Placeholder 2"/>
-          <p:cNvSpPr>
-            <a:spLocks noGrp="1"/>
-          </p:cNvSpPr>
-          <p:nvPr>
-            <p:ph idx="1"/>
-          </p:nvPr>
-        </p:nvSpPr>
-        <p:spPr>
-          <a:xfrm>
-            <a:off x="1045029" y="1124744"/>
-            <a:ext cx="10474036" cy="4983832"/>
-          </a:xfrm>
-        </p:spPr>
-        <p:txBody>
-          <a:bodyPr>
-            <a:normAutofit/>
-          </a:bodyPr>
-          <a:lstStyle/>
-          <a:p>
-            <a:r>
-              <a:rPr lang="en-US" dirty="0">
-                <a:latin typeface="Calibri" charset="0"/>
-                <a:ea typeface="ＭＳ Ｐゴシック" charset="0"/>
-              </a:rPr>
-              <a:t>Raw read counts for differential expression analysis</a:t>
-            </a:r>
-          </a:p>
-          <a:p>
-            <a:pPr lvl="1"/>
-            <a:r>
-              <a:rPr lang="en-US" dirty="0">
-                <a:latin typeface="Calibri" charset="0"/>
-                <a:ea typeface="ＭＳ Ｐゴシック" charset="0"/>
-              </a:rPr>
-              <a:t>Assign reads/fragments to defined genes/transcripts, get “raw counts”</a:t>
-            </a:r>
-          </a:p>
-          <a:p>
-            <a:pPr lvl="2"/>
-            <a:r>
-              <a:rPr lang="en-US" dirty="0">
-                <a:latin typeface="Calibri" charset="0"/>
-                <a:ea typeface="ＭＳ Ｐゴシック" charset="0"/>
-              </a:rPr>
-              <a:t>Transcript structures could still be defined by something like cufflinks </a:t>
-            </a:r>
-            <a:br>
-              <a:rPr lang="en-US" dirty="0">
-                <a:latin typeface="Calibri" charset="0"/>
-                <a:ea typeface="ＭＳ Ｐゴシック" charset="0"/>
-              </a:rPr>
-            </a:br>
-            <a:endParaRPr lang="en-US" dirty="0">
-              <a:latin typeface="Calibri" charset="0"/>
-              <a:ea typeface="ＭＳ Ｐゴシック" charset="0"/>
-            </a:endParaRPr>
-          </a:p>
-          <a:p>
-            <a:r>
-              <a:rPr lang="en-US" dirty="0" err="1">
-                <a:latin typeface="Calibri" charset="0"/>
-                <a:ea typeface="ＭＳ Ｐゴシック" charset="0"/>
-              </a:rPr>
-              <a:t>HTSeq</a:t>
-            </a:r>
-            <a:r>
-              <a:rPr lang="en-US" dirty="0">
-                <a:latin typeface="Calibri" charset="0"/>
-                <a:ea typeface="ＭＳ Ｐゴシック" charset="0"/>
-              </a:rPr>
-              <a:t> (</a:t>
-            </a:r>
-            <a:r>
-              <a:rPr lang="en-US" dirty="0" err="1">
-                <a:latin typeface="Calibri" charset="0"/>
-                <a:ea typeface="ＭＳ Ｐゴシック" charset="0"/>
-              </a:rPr>
-              <a:t>htseq</a:t>
-            </a:r>
-            <a:r>
-              <a:rPr lang="en-US" dirty="0">
-                <a:latin typeface="Calibri" charset="0"/>
-                <a:ea typeface="ＭＳ Ｐゴシック" charset="0"/>
-              </a:rPr>
-              <a:t>-count)</a:t>
-            </a:r>
-          </a:p>
-          <a:p>
-            <a:pPr lvl="1"/>
-            <a:r>
-              <a:rPr lang="en-US" sz="2200" dirty="0">
-                <a:latin typeface="Calibri" charset="0"/>
-                <a:ea typeface="ＭＳ Ｐゴシック" charset="0"/>
-                <a:hlinkClick r:id="rId2"/>
-              </a:rPr>
-              <a:t>http://www-huber.embl.de/users/anders/HTSeq/doc/count.html</a:t>
-            </a:r>
-            <a:br>
-              <a:rPr lang="en-US" sz="2200" dirty="0">
-                <a:latin typeface="Calibri" charset="0"/>
-                <a:ea typeface="ＭＳ Ｐゴシック" charset="0"/>
-              </a:rPr>
-            </a:br>
-            <a:endParaRPr lang="en-US" sz="2200" dirty="0">
-              <a:latin typeface="Calibri" charset="0"/>
-              <a:ea typeface="ＭＳ Ｐゴシック" charset="0"/>
-            </a:endParaRPr>
-          </a:p>
-          <a:p>
-            <a:pPr marL="457200" lvl="1" indent="0">
-              <a:buNone/>
-            </a:pPr>
-            <a:br>
-              <a:rPr lang="en-US" sz="1600" dirty="0">
-                <a:latin typeface="+mj-lt"/>
-                <a:ea typeface="ＭＳ Ｐゴシック" charset="0"/>
-              </a:rPr>
-            </a:br>
-            <a:br>
-              <a:rPr lang="en-US" sz="2200" dirty="0">
-                <a:latin typeface="Calibri" charset="0"/>
-                <a:ea typeface="ＭＳ Ｐゴシック" charset="0"/>
-              </a:rPr>
-            </a:br>
-            <a:endParaRPr lang="en-US" sz="2200" dirty="0">
-              <a:latin typeface="Calibri" charset="0"/>
-              <a:ea typeface="ＭＳ Ｐゴシック" charset="0"/>
-            </a:endParaRPr>
-          </a:p>
-          <a:p>
-            <a:r>
-              <a:rPr lang="en-US" dirty="0">
-                <a:latin typeface="Calibri" charset="0"/>
-                <a:ea typeface="ＭＳ Ｐゴシック" charset="0"/>
-              </a:rPr>
-              <a:t>Caveats of ‘transcript’ analysis by </a:t>
-            </a:r>
-            <a:r>
-              <a:rPr lang="en-US" dirty="0" err="1">
-                <a:latin typeface="Calibri" charset="0"/>
-                <a:ea typeface="ＭＳ Ｐゴシック" charset="0"/>
-              </a:rPr>
-              <a:t>htseq</a:t>
-            </a:r>
-            <a:r>
-              <a:rPr lang="en-US" dirty="0">
-                <a:latin typeface="Calibri" charset="0"/>
-                <a:ea typeface="ＭＳ Ｐゴシック" charset="0"/>
-              </a:rPr>
-              <a:t>-count:</a:t>
-            </a:r>
-          </a:p>
-          <a:p>
-            <a:pPr lvl="2"/>
-            <a:r>
-              <a:rPr lang="en-US" dirty="0">
-                <a:latin typeface="Calibri" charset="0"/>
-                <a:ea typeface="ＭＳ Ｐゴシック" charset="0"/>
-              </a:rPr>
-              <a:t>Designed for genes - ambiguous reads from overlapping transcripts may not be handled!</a:t>
-            </a:r>
-          </a:p>
-          <a:p>
-            <a:pPr lvl="2"/>
-            <a:r>
-              <a:rPr lang="en-US" dirty="0">
-                <a:latin typeface="Calibri" charset="0"/>
-                <a:ea typeface="ＭＳ Ｐゴシック" charset="0"/>
-                <a:hlinkClick r:id="rId3"/>
-              </a:rPr>
-              <a:t>http://seqanswers.com/forums/showthread.php?t=18068</a:t>
-            </a:r>
-            <a:endParaRPr lang="en-US" dirty="0">
-              <a:latin typeface="Calibri" charset="0"/>
-              <a:ea typeface="ＭＳ Ｐゴシック" charset="0"/>
-            </a:endParaRPr>
-          </a:p>
-          <a:p>
-            <a:pPr marL="914400" lvl="2" indent="0">
-              <a:buNone/>
-            </a:pPr>
-            <a:endParaRPr lang="en-US" dirty="0">
-              <a:latin typeface="Calibri" charset="0"/>
-              <a:ea typeface="ＭＳ Ｐゴシック" charset="0"/>
-            </a:endParaRPr>
-          </a:p>
-        </p:txBody>
-      </p:sp>
-      <p:sp>
-        <p:nvSpPr>
-          <p:cNvPr id="3" name="TextBox 2">
-            <a:extLst>
-              <a:ext uri="{FF2B5EF4-FFF2-40B4-BE49-F238E27FC236}">
-                <a16:creationId xmlns:a16="http://schemas.microsoft.com/office/drawing/2014/main" id="{A66F5DC6-5771-2F44-9C89-5147A5B3C655}"/>
-              </a:ext>
-            </a:extLst>
-          </p:cNvPr>
-          <p:cNvSpPr txBox="1"/>
-          <p:nvPr/>
-        </p:nvSpPr>
-        <p:spPr>
-          <a:xfrm>
-            <a:off x="1567898" y="3616660"/>
-            <a:ext cx="8538002" cy="830997"/>
-          </a:xfrm>
-          <a:prstGeom prst="rect">
-            <a:avLst/>
-          </a:prstGeom>
-          <a:noFill/>
-          <a:ln>
-            <a:solidFill>
-              <a:schemeClr val="bg1">
-                <a:lumMod val="65000"/>
-              </a:schemeClr>
-            </a:solidFill>
-          </a:ln>
-        </p:spPr>
-        <p:txBody>
-          <a:bodyPr wrap="square" rtlCol="0">
-            <a:spAutoFit/>
-          </a:bodyPr>
-          <a:lstStyle/>
-          <a:p>
-            <a:r>
-              <a:rPr lang="en-US" sz="1600" dirty="0" err="1">
-                <a:latin typeface="+mj-lt"/>
-                <a:ea typeface="ＭＳ Ｐゴシック" charset="0"/>
-              </a:rPr>
-              <a:t>htseq</a:t>
-            </a:r>
-            <a:r>
-              <a:rPr lang="en-US" sz="1600" dirty="0">
-                <a:latin typeface="+mj-lt"/>
-                <a:ea typeface="ＭＳ Ｐゴシック" charset="0"/>
-              </a:rPr>
-              <a:t>-count --mode intersection-strict --stranded no --</a:t>
-            </a:r>
-            <a:r>
-              <a:rPr lang="en-US" sz="1600" dirty="0" err="1">
-                <a:latin typeface="+mj-lt"/>
-                <a:ea typeface="ＭＳ Ｐゴシック" charset="0"/>
-              </a:rPr>
-              <a:t>minaqual</a:t>
-            </a:r>
-            <a:r>
-              <a:rPr lang="en-US" sz="1600" dirty="0">
-                <a:latin typeface="+mj-lt"/>
-                <a:ea typeface="ＭＳ Ｐゴシック" charset="0"/>
-              </a:rPr>
-              <a:t> 1 --type exon --</a:t>
-            </a:r>
-            <a:r>
-              <a:rPr lang="en-US" sz="1600" dirty="0" err="1">
-                <a:latin typeface="+mj-lt"/>
-                <a:ea typeface="ＭＳ Ｐゴシック" charset="0"/>
-              </a:rPr>
-              <a:t>idattr</a:t>
-            </a:r>
-            <a:r>
-              <a:rPr lang="en-US" sz="1600" dirty="0">
-                <a:latin typeface="+mj-lt"/>
-                <a:ea typeface="ＭＳ Ｐゴシック" charset="0"/>
-              </a:rPr>
-              <a:t> </a:t>
-            </a:r>
-            <a:r>
-              <a:rPr lang="en-US" sz="1600" dirty="0" err="1">
-                <a:latin typeface="+mj-lt"/>
-                <a:ea typeface="ＭＳ Ｐゴシック" charset="0"/>
-              </a:rPr>
-              <a:t>transcript_id</a:t>
-            </a:r>
-            <a:r>
-              <a:rPr lang="en-US" sz="1600" dirty="0">
-                <a:latin typeface="+mj-lt"/>
-                <a:ea typeface="ＭＳ Ｐゴシック" charset="0"/>
-              </a:rPr>
-              <a:t> </a:t>
-            </a:r>
-            <a:r>
-              <a:rPr lang="en-US" sz="1600" dirty="0" err="1">
-                <a:latin typeface="+mj-lt"/>
-                <a:ea typeface="ＭＳ Ｐゴシック" charset="0"/>
-              </a:rPr>
-              <a:t>accepted_hits.sam</a:t>
-            </a:r>
-            <a:r>
-              <a:rPr lang="en-US" sz="1600" dirty="0">
-                <a:latin typeface="+mj-lt"/>
-                <a:ea typeface="ＭＳ Ｐゴシック" charset="0"/>
-              </a:rPr>
-              <a:t> chr22.gff &gt; </a:t>
-            </a:r>
-            <a:r>
-              <a:rPr lang="en-US" sz="1600" dirty="0" err="1">
-                <a:latin typeface="+mj-lt"/>
-                <a:ea typeface="ＭＳ Ｐゴシック" charset="0"/>
-              </a:rPr>
-              <a:t>transcript_read_counts_table.tsv</a:t>
-            </a:r>
-            <a:endParaRPr lang="en-US" sz="1600" dirty="0">
-              <a:latin typeface="+mj-lt"/>
-            </a:endParaRPr>
-          </a:p>
-        </p:txBody>
-      </p:sp>
-    </p:spTree>
-    <p:extLst>
-      <p:ext uri="{BB962C8B-B14F-4D97-AF65-F5344CB8AC3E}">
-        <p14:creationId xmlns:p14="http://schemas.microsoft.com/office/powerpoint/2010/main" val="4176972936"/>
-      </p:ext>
-    </p:extLst>
-  </p:cSld>
-  <p:clrMapOvr>
-    <a:masterClrMapping/>
-  </p:clrMapOvr>
-</p:sld>
-</file>
-
-<file path=ppt/slides/slide6.xml><?xml version="1.0" encoding="utf-8"?>
-<p:sld xmlns:a="http://schemas.openxmlformats.org/drawingml/2006/main" xmlns:r="http://schemas.openxmlformats.org/officeDocument/2006/relationships" xmlns:p="http://schemas.openxmlformats.org/presentationml/2006/main">
-  <p:cSld>
-    <p:spTree>
-      <p:nvGrpSpPr>
-        <p:cNvPr id="1" name=""/>
-        <p:cNvGrpSpPr/>
-        <p:nvPr/>
-      </p:nvGrpSpPr>
-      <p:grpSpPr>
-        <a:xfrm>
-          <a:off x="0" y="0"/>
-          <a:ext cx="0" cy="0"/>
-          <a:chOff x="0" y="0"/>
-          <a:chExt cx="0" cy="0"/>
-        </a:xfrm>
-      </p:grpSpPr>
-      <p:sp>
-        <p:nvSpPr>
-          <p:cNvPr id="2" name="Title 1"/>
-          <p:cNvSpPr>
-            <a:spLocks noGrp="1"/>
-          </p:cNvSpPr>
-          <p:nvPr>
-            <p:ph type="title"/>
-          </p:nvPr>
-        </p:nvSpPr>
-        <p:spPr>
-          <a:xfrm>
-            <a:off x="1703512" y="44624"/>
-            <a:ext cx="8839200" cy="936104"/>
-          </a:xfrm>
-        </p:spPr>
-        <p:txBody>
-          <a:bodyPr>
-            <a:normAutofit/>
-          </a:bodyPr>
-          <a:lstStyle/>
-          <a:p>
-            <a:pPr algn="ctr"/>
-            <a:r>
-              <a:rPr lang="en-US" sz="2800" b="1" dirty="0" err="1">
-                <a:latin typeface="Calibri" panose="020F0502020204030204" pitchFamily="34" charset="0"/>
-                <a:cs typeface="Calibri" panose="020F0502020204030204" pitchFamily="34" charset="0"/>
-              </a:rPr>
-              <a:t>HTSeq</a:t>
-            </a:r>
-            <a:r>
-              <a:rPr lang="en-US" sz="2800" b="1" dirty="0">
-                <a:latin typeface="Calibri" panose="020F0502020204030204" pitchFamily="34" charset="0"/>
-                <a:cs typeface="Calibri" panose="020F0502020204030204" pitchFamily="34" charset="0"/>
-              </a:rPr>
-              <a:t>-count basically counts reads supporting a feature (exon, gene) by assessing overlapping coordinates</a:t>
-            </a:r>
-          </a:p>
-        </p:txBody>
-      </p:sp>
-      <p:pic>
-        <p:nvPicPr>
-          <p:cNvPr id="4" name="Picture 3"/>
-          <p:cNvPicPr>
-            <a:picLocks noChangeAspect="1"/>
-          </p:cNvPicPr>
-          <p:nvPr/>
-        </p:nvPicPr>
-        <p:blipFill>
-          <a:blip r:embed="rId3"/>
-          <a:stretch>
-            <a:fillRect/>
-          </a:stretch>
-        </p:blipFill>
-        <p:spPr>
-          <a:xfrm>
-            <a:off x="3253280" y="1124744"/>
-            <a:ext cx="5290992" cy="4752528"/>
-          </a:xfrm>
-          <a:prstGeom prst="rect">
-            <a:avLst/>
-          </a:prstGeom>
-        </p:spPr>
-      </p:pic>
-      <p:sp>
-        <p:nvSpPr>
-          <p:cNvPr id="5" name="TextBox 4"/>
-          <p:cNvSpPr txBox="1"/>
-          <p:nvPr/>
-        </p:nvSpPr>
-        <p:spPr>
-          <a:xfrm>
-            <a:off x="1104405" y="5939989"/>
-            <a:ext cx="9987147" cy="369332"/>
-          </a:xfrm>
-          <a:prstGeom prst="rect">
-            <a:avLst/>
-          </a:prstGeom>
-          <a:noFill/>
-        </p:spPr>
-        <p:txBody>
-          <a:bodyPr wrap="square" rtlCol="0">
-            <a:spAutoFit/>
-          </a:bodyPr>
-          <a:lstStyle/>
-          <a:p>
-            <a:r>
-              <a:rPr lang="en-US" dirty="0"/>
-              <a:t>Whether a read is counted depends on the nature of overlap and “mode” selected</a:t>
-            </a:r>
-          </a:p>
-        </p:txBody>
-      </p:sp>
-    </p:spTree>
-    <p:extLst>
-      <p:ext uri="{BB962C8B-B14F-4D97-AF65-F5344CB8AC3E}">
-        <p14:creationId xmlns:p14="http://schemas.microsoft.com/office/powerpoint/2010/main" val="3688129893"/>
-      </p:ext>
-    </p:extLst>
-  </p:cSld>
-  <p:clrMapOvr>
-    <a:masterClrMapping/>
-  </p:clrMapOvr>
-</p:sld>
-</file>
-
-<file path=ppt/slides/slide7.xml><?xml version="1.0" encoding="utf-8"?>
-<p:sld xmlns:a="http://schemas.openxmlformats.org/drawingml/2006/main" xmlns:r="http://schemas.openxmlformats.org/officeDocument/2006/relationships" xmlns:p="http://schemas.openxmlformats.org/presentationml/2006/main">
-  <p:cSld>
-    <p:spTree>
-      <p:nvGrpSpPr>
-        <p:cNvPr id="1" name=""/>
-        <p:cNvGrpSpPr/>
-        <p:nvPr/>
-      </p:nvGrpSpPr>
-      <p:grpSpPr>
-        <a:xfrm>
-          <a:off x="0" y="0"/>
-          <a:ext cx="0" cy="0"/>
-          <a:chOff x="0" y="0"/>
-          <a:chExt cx="0" cy="0"/>
-        </a:xfrm>
-      </p:grpSpPr>
-      <p:sp>
-        <p:nvSpPr>
           <p:cNvPr id="32769" name="Title 1"/>
           <p:cNvSpPr>
             <a:spLocks noGrp="1"/>
@@ -10687,7 +9639,7 @@
 </p:sld>
 </file>
 
-<file path=ppt/slides/slide8.xml><?xml version="1.0" encoding="utf-8"?>
+<file path=ppt/slides/slide6.xml><?xml version="1.0" encoding="utf-8"?>
 <p:sld xmlns:a="http://schemas.openxmlformats.org/drawingml/2006/main" xmlns:r="http://schemas.openxmlformats.org/officeDocument/2006/relationships" xmlns:p="http://schemas.openxmlformats.org/presentationml/2006/main">
   <p:cSld>
     <p:spTree>
@@ -10913,7 +9865,7 @@
 </p:sld>
 </file>
 
-<file path=ppt/slides/slide9.xml><?xml version="1.0" encoding="utf-8"?>
+<file path=ppt/slides/slide7.xml><?xml version="1.0" encoding="utf-8"?>
 <p:sld xmlns:a="http://schemas.openxmlformats.org/drawingml/2006/main" xmlns:r="http://schemas.openxmlformats.org/officeDocument/2006/relationships" xmlns:p="http://schemas.openxmlformats.org/presentationml/2006/main">
   <p:cSld>
     <p:spTree>
@@ -10997,6 +9949,461 @@
     <p:extLst>
       <p:ext uri="{BB962C8B-B14F-4D97-AF65-F5344CB8AC3E}">
         <p14:creationId xmlns:p14="http://schemas.microsoft.com/office/powerpoint/2010/main" val="3196270776"/>
+      </p:ext>
+    </p:extLst>
+  </p:cSld>
+  <p:clrMapOvr>
+    <a:masterClrMapping/>
+  </p:clrMapOvr>
+</p:sld>
+</file>
+
+<file path=ppt/slides/slide8.xml><?xml version="1.0" encoding="utf-8"?>
+<p:sld xmlns:a="http://schemas.openxmlformats.org/drawingml/2006/main" xmlns:r="http://schemas.openxmlformats.org/officeDocument/2006/relationships" xmlns:p="http://schemas.openxmlformats.org/presentationml/2006/main">
+  <p:cSld>
+    <p:spTree>
+      <p:nvGrpSpPr>
+        <p:cNvPr id="1" name=""/>
+        <p:cNvGrpSpPr/>
+        <p:nvPr/>
+      </p:nvGrpSpPr>
+      <p:grpSpPr>
+        <a:xfrm>
+          <a:off x="0" y="0"/>
+          <a:ext cx="0" cy="0"/>
+          <a:chOff x="0" y="0"/>
+          <a:chExt cx="0" cy="0"/>
+        </a:xfrm>
+      </p:grpSpPr>
+      <p:sp>
+        <p:nvSpPr>
+          <p:cNvPr id="34817" name="Title 1"/>
+          <p:cNvSpPr>
+            <a:spLocks noGrp="1"/>
+          </p:cNvSpPr>
+          <p:nvPr>
+            <p:ph type="title"/>
+          </p:nvPr>
+        </p:nvSpPr>
+        <p:spPr>
+          <a:xfrm>
+            <a:off x="838200" y="0"/>
+            <a:ext cx="10515600" cy="1325563"/>
+          </a:xfrm>
+        </p:spPr>
+        <p:txBody>
+          <a:bodyPr/>
+          <a:lstStyle/>
+          <a:p>
+            <a:pPr algn="ctr"/>
+            <a:r>
+              <a:rPr lang="en-US" b="1" dirty="0">
+                <a:latin typeface="Calibri" charset="0"/>
+                <a:ea typeface="ＭＳ Ｐゴシック" charset="0"/>
+              </a:rPr>
+              <a:t>Lessons learned from microarray days</a:t>
+            </a:r>
+          </a:p>
+        </p:txBody>
+      </p:sp>
+      <p:sp>
+        <p:nvSpPr>
+          <p:cNvPr id="34818" name="Content Placeholder 2"/>
+          <p:cNvSpPr>
+            <a:spLocks noGrp="1"/>
+          </p:cNvSpPr>
+          <p:nvPr>
+            <p:ph idx="1"/>
+          </p:nvPr>
+        </p:nvSpPr>
+        <p:spPr>
+          <a:xfrm>
+            <a:off x="838200" y="1555668"/>
+            <a:ext cx="10515600" cy="4621295"/>
+          </a:xfrm>
+        </p:spPr>
+        <p:txBody>
+          <a:bodyPr>
+            <a:normAutofit/>
+          </a:bodyPr>
+          <a:lstStyle/>
+          <a:p>
+            <a:r>
+              <a:rPr lang="en-US" dirty="0">
+                <a:latin typeface="Calibri" charset="0"/>
+                <a:ea typeface="ＭＳ Ｐゴシック" charset="0"/>
+              </a:rPr>
+              <a:t>Hansen et al. “Sequencing Technology Does Not Eliminate Biological Variability.” Nature Biotechnology 29, no. 7 (2011): 572–573.</a:t>
+            </a:r>
+            <a:br>
+              <a:rPr lang="en-US" dirty="0">
+                <a:latin typeface="Calibri" charset="0"/>
+                <a:ea typeface="ＭＳ Ｐゴシック" charset="0"/>
+              </a:rPr>
+            </a:br>
+            <a:endParaRPr lang="en-US" dirty="0">
+              <a:latin typeface="Calibri" charset="0"/>
+              <a:ea typeface="ＭＳ Ｐゴシック" charset="0"/>
+            </a:endParaRPr>
+          </a:p>
+          <a:p>
+            <a:r>
+              <a:rPr lang="en-US" dirty="0">
+                <a:latin typeface="Calibri" charset="0"/>
+                <a:ea typeface="ＭＳ Ｐゴシック" charset="0"/>
+              </a:rPr>
+              <a:t>Power analysis for RNA-seq experiments</a:t>
+            </a:r>
+          </a:p>
+          <a:p>
+            <a:pPr lvl="1"/>
+            <a:r>
+              <a:rPr lang="en-US" dirty="0">
+                <a:latin typeface="Calibri" charset="0"/>
+                <a:ea typeface="ＭＳ Ｐゴシック" charset="0"/>
+                <a:hlinkClick r:id="rId2"/>
+              </a:rPr>
+              <a:t>http://euler.bc.edu/marthlab/scotty/scotty.php</a:t>
+            </a:r>
+            <a:br>
+              <a:rPr lang="en-US" dirty="0">
+                <a:latin typeface="Calibri" charset="0"/>
+                <a:ea typeface="ＭＳ Ｐゴシック" charset="0"/>
+              </a:rPr>
+            </a:br>
+            <a:endParaRPr lang="en-US" dirty="0">
+              <a:latin typeface="Calibri" charset="0"/>
+              <a:ea typeface="ＭＳ Ｐゴシック" charset="0"/>
+            </a:endParaRPr>
+          </a:p>
+          <a:p>
+            <a:r>
+              <a:rPr lang="en-US" dirty="0">
+                <a:latin typeface="Calibri" charset="0"/>
+                <a:ea typeface="ＭＳ Ｐゴシック" charset="0"/>
+              </a:rPr>
+              <a:t>RNA-seq need for biological replicates</a:t>
+            </a:r>
+          </a:p>
+          <a:p>
+            <a:pPr lvl="1"/>
+            <a:r>
+              <a:rPr lang="en-US" dirty="0">
+                <a:latin typeface="Calibri" charset="0"/>
+                <a:ea typeface="ＭＳ Ｐゴシック" charset="0"/>
+                <a:hlinkClick r:id="rId3"/>
+              </a:rPr>
+              <a:t>http://www.biostars.org/p/1161/</a:t>
+            </a:r>
+            <a:br>
+              <a:rPr lang="en-US" dirty="0">
+                <a:latin typeface="Calibri" charset="0"/>
+                <a:ea typeface="ＭＳ Ｐゴシック" charset="0"/>
+              </a:rPr>
+            </a:br>
+            <a:endParaRPr lang="en-US" dirty="0">
+              <a:latin typeface="Calibri" charset="0"/>
+              <a:ea typeface="ＭＳ Ｐゴシック" charset="0"/>
+            </a:endParaRPr>
+          </a:p>
+          <a:p>
+            <a:r>
+              <a:rPr lang="en-US" dirty="0">
+                <a:latin typeface="Calibri" charset="0"/>
+                <a:ea typeface="ＭＳ Ｐゴシック" charset="0"/>
+              </a:rPr>
+              <a:t>RNA-seq study design</a:t>
+            </a:r>
+          </a:p>
+          <a:p>
+            <a:pPr lvl="1"/>
+            <a:r>
+              <a:rPr lang="en-US" dirty="0">
+                <a:latin typeface="Calibri" charset="0"/>
+                <a:ea typeface="ＭＳ Ｐゴシック" charset="0"/>
+                <a:hlinkClick r:id="rId4"/>
+              </a:rPr>
+              <a:t>http://www.biostars.org/p/68885/</a:t>
+            </a:r>
+            <a:endParaRPr lang="en-US" dirty="0">
+              <a:latin typeface="Calibri" charset="0"/>
+              <a:ea typeface="ＭＳ Ｐゴシック" charset="0"/>
+            </a:endParaRPr>
+          </a:p>
+          <a:p>
+            <a:endParaRPr lang="en-US" dirty="0">
+              <a:latin typeface="Calibri" charset="0"/>
+              <a:ea typeface="ＭＳ Ｐゴシック" charset="0"/>
+            </a:endParaRPr>
+          </a:p>
+        </p:txBody>
+      </p:sp>
+    </p:spTree>
+    <p:extLst>
+      <p:ext uri="{BB962C8B-B14F-4D97-AF65-F5344CB8AC3E}">
+        <p14:creationId xmlns:p14="http://schemas.microsoft.com/office/powerpoint/2010/main" val="3557169646"/>
+      </p:ext>
+    </p:extLst>
+  </p:cSld>
+  <p:clrMapOvr>
+    <a:masterClrMapping/>
+  </p:clrMapOvr>
+</p:sld>
+</file>
+
+<file path=ppt/slides/slide9.xml><?xml version="1.0" encoding="utf-8"?>
+<p:sld xmlns:a="http://schemas.openxmlformats.org/drawingml/2006/main" xmlns:r="http://schemas.openxmlformats.org/officeDocument/2006/relationships" xmlns:p="http://schemas.openxmlformats.org/presentationml/2006/main">
+  <p:cSld>
+    <p:spTree>
+      <p:nvGrpSpPr>
+        <p:cNvPr id="1" name=""/>
+        <p:cNvGrpSpPr/>
+        <p:nvPr/>
+      </p:nvGrpSpPr>
+      <p:grpSpPr>
+        <a:xfrm>
+          <a:off x="0" y="0"/>
+          <a:ext cx="0" cy="0"/>
+          <a:chOff x="0" y="0"/>
+          <a:chExt cx="0" cy="0"/>
+        </a:xfrm>
+      </p:grpSpPr>
+      <p:sp>
+        <p:nvSpPr>
+          <p:cNvPr id="35841" name="Title 1"/>
+          <p:cNvSpPr>
+            <a:spLocks noGrp="1"/>
+          </p:cNvSpPr>
+          <p:nvPr>
+            <p:ph type="title"/>
+          </p:nvPr>
+        </p:nvSpPr>
+        <p:spPr>
+          <a:xfrm>
+            <a:off x="1676400" y="53752"/>
+            <a:ext cx="8839200" cy="1143000"/>
+          </a:xfrm>
+        </p:spPr>
+        <p:txBody>
+          <a:bodyPr/>
+          <a:lstStyle/>
+          <a:p>
+            <a:pPr algn="ctr"/>
+            <a:r>
+              <a:rPr lang="en-US" b="1" dirty="0">
+                <a:latin typeface="Calibri" charset="0"/>
+                <a:ea typeface="ＭＳ Ｐゴシック" charset="0"/>
+              </a:rPr>
+              <a:t>Multiple testing correction</a:t>
+            </a:r>
+          </a:p>
+        </p:txBody>
+      </p:sp>
+      <p:sp>
+        <p:nvSpPr>
+          <p:cNvPr id="35842" name="Content Placeholder 2"/>
+          <p:cNvSpPr>
+            <a:spLocks noGrp="1"/>
+          </p:cNvSpPr>
+          <p:nvPr>
+            <p:ph idx="1"/>
+          </p:nvPr>
+        </p:nvSpPr>
+        <p:spPr>
+          <a:xfrm>
+            <a:off x="581891" y="1196752"/>
+            <a:ext cx="10877797" cy="4968552"/>
+          </a:xfrm>
+        </p:spPr>
+        <p:txBody>
+          <a:bodyPr>
+            <a:normAutofit lnSpcReduction="10000"/>
+          </a:bodyPr>
+          <a:lstStyle/>
+          <a:p>
+            <a:r>
+              <a:rPr lang="en-US" dirty="0">
+                <a:latin typeface="Calibri" charset="0"/>
+                <a:ea typeface="ＭＳ Ｐゴシック" charset="0"/>
+              </a:rPr>
+              <a:t>As more attributes are compared, differences due solely to chance become more likely! </a:t>
+            </a:r>
+            <a:br>
+              <a:rPr lang="en-US" dirty="0">
+                <a:latin typeface="Calibri" charset="0"/>
+                <a:ea typeface="ＭＳ Ｐゴシック" charset="0"/>
+              </a:rPr>
+            </a:br>
+            <a:endParaRPr lang="en-US" dirty="0">
+              <a:latin typeface="Calibri" charset="0"/>
+              <a:ea typeface="ＭＳ Ｐゴシック" charset="0"/>
+            </a:endParaRPr>
+          </a:p>
+          <a:p>
+            <a:r>
+              <a:rPr lang="en-US" dirty="0">
+                <a:latin typeface="Calibri" charset="0"/>
+                <a:ea typeface="ＭＳ Ｐゴシック" charset="0"/>
+              </a:rPr>
+              <a:t>Well known from array studies</a:t>
+            </a:r>
+          </a:p>
+          <a:p>
+            <a:pPr lvl="1"/>
+            <a:r>
+              <a:rPr lang="en-US" dirty="0">
+                <a:latin typeface="Calibri" charset="0"/>
+                <a:ea typeface="ＭＳ Ｐゴシック" charset="0"/>
+              </a:rPr>
+              <a:t>10,000s genes/transcripts</a:t>
+            </a:r>
+          </a:p>
+          <a:p>
+            <a:pPr lvl="1"/>
+            <a:r>
+              <a:rPr lang="en-US" dirty="0">
+                <a:latin typeface="Calibri" charset="0"/>
+                <a:ea typeface="ＭＳ Ｐゴシック" charset="0"/>
+              </a:rPr>
+              <a:t>100,000s exons</a:t>
+            </a:r>
+            <a:br>
+              <a:rPr lang="en-US" dirty="0">
+                <a:latin typeface="Calibri" charset="0"/>
+                <a:ea typeface="ＭＳ Ｐゴシック" charset="0"/>
+              </a:rPr>
+            </a:br>
+            <a:endParaRPr lang="en-US" dirty="0">
+              <a:latin typeface="Calibri" charset="0"/>
+              <a:ea typeface="ＭＳ Ｐゴシック" charset="0"/>
+            </a:endParaRPr>
+          </a:p>
+          <a:p>
+            <a:pPr marL="342900" lvl="1" indent="-342900">
+              <a:buFont typeface="Arial" charset="0"/>
+              <a:buChar char="•"/>
+            </a:pPr>
+            <a:r>
+              <a:rPr lang="en-US" dirty="0">
+                <a:latin typeface="Calibri" charset="0"/>
+                <a:ea typeface="ＭＳ Ｐゴシック" charset="0"/>
+              </a:rPr>
+              <a:t>With RNA-</a:t>
+            </a:r>
+            <a:r>
+              <a:rPr lang="en-US" dirty="0" err="1">
+                <a:latin typeface="Calibri" charset="0"/>
+                <a:ea typeface="ＭＳ Ｐゴシック" charset="0"/>
+              </a:rPr>
+              <a:t>seq</a:t>
+            </a:r>
+            <a:r>
+              <a:rPr lang="en-US" dirty="0">
+                <a:latin typeface="Calibri" charset="0"/>
+                <a:ea typeface="ＭＳ Ｐゴシック" charset="0"/>
+              </a:rPr>
+              <a:t>, more of a problem than ever</a:t>
+            </a:r>
+          </a:p>
+          <a:p>
+            <a:pPr lvl="1"/>
+            <a:r>
+              <a:rPr lang="en-US" dirty="0">
+                <a:latin typeface="Calibri" charset="0"/>
+                <a:ea typeface="ＭＳ Ｐゴシック" charset="0"/>
+              </a:rPr>
+              <a:t>All the complexity of the transcriptome gives huge numbers of potential features</a:t>
+            </a:r>
+          </a:p>
+          <a:p>
+            <a:pPr lvl="2"/>
+            <a:r>
+              <a:rPr lang="en-US" dirty="0">
+                <a:latin typeface="Calibri" charset="0"/>
+                <a:ea typeface="ＭＳ Ｐゴシック" charset="0"/>
+              </a:rPr>
+              <a:t>Genes, transcripts, exons, junctions, retained introns, microRNAs, </a:t>
+            </a:r>
+            <a:r>
+              <a:rPr lang="en-US" dirty="0" err="1">
+                <a:latin typeface="Calibri" charset="0"/>
+                <a:ea typeface="ＭＳ Ｐゴシック" charset="0"/>
+              </a:rPr>
+              <a:t>lncRNAs</a:t>
+            </a:r>
+            <a:r>
+              <a:rPr lang="en-US" dirty="0">
+                <a:latin typeface="Calibri" charset="0"/>
+                <a:ea typeface="ＭＳ Ｐゴシック" charset="0"/>
+              </a:rPr>
+              <a:t>, </a:t>
+            </a:r>
+            <a:r>
+              <a:rPr lang="en-US" dirty="0" err="1">
+                <a:latin typeface="Calibri" charset="0"/>
+                <a:ea typeface="ＭＳ Ｐゴシック" charset="0"/>
+              </a:rPr>
+              <a:t>etc</a:t>
+            </a:r>
+            <a:br>
+              <a:rPr lang="en-US" dirty="0">
+                <a:latin typeface="Calibri" charset="0"/>
+                <a:ea typeface="ＭＳ Ｐゴシック" charset="0"/>
+              </a:rPr>
+            </a:br>
+            <a:endParaRPr lang="en-US" dirty="0">
+              <a:latin typeface="Calibri" charset="0"/>
+              <a:ea typeface="ＭＳ Ｐゴシック" charset="0"/>
+            </a:endParaRPr>
+          </a:p>
+          <a:p>
+            <a:r>
+              <a:rPr lang="en-US" dirty="0" err="1">
+                <a:latin typeface="Calibri" charset="0"/>
+                <a:ea typeface="ＭＳ Ｐゴシック" charset="0"/>
+              </a:rPr>
+              <a:t>Bioconductor</a:t>
+            </a:r>
+            <a:r>
+              <a:rPr lang="en-US" dirty="0">
+                <a:latin typeface="Calibri" charset="0"/>
+                <a:ea typeface="ＭＳ Ｐゴシック" charset="0"/>
+              </a:rPr>
+              <a:t> </a:t>
+            </a:r>
+            <a:r>
+              <a:rPr lang="en-US" dirty="0" err="1">
+                <a:latin typeface="Calibri" charset="0"/>
+                <a:ea typeface="ＭＳ Ｐゴシック" charset="0"/>
+              </a:rPr>
+              <a:t>multtest</a:t>
+            </a:r>
+            <a:endParaRPr lang="en-US" dirty="0">
+              <a:latin typeface="Calibri" charset="0"/>
+              <a:ea typeface="ＭＳ Ｐゴシック" charset="0"/>
+            </a:endParaRPr>
+          </a:p>
+          <a:p>
+            <a:pPr lvl="1"/>
+            <a:r>
+              <a:rPr lang="en-US" sz="1800" dirty="0">
+                <a:latin typeface="Calibri" charset="0"/>
+                <a:ea typeface="ＭＳ Ｐゴシック" charset="0"/>
+                <a:hlinkClick r:id="rId3"/>
+              </a:rPr>
+              <a:t>http://www.bioconductor.org/packages/release/bioc/html/multtest.html</a:t>
+            </a:r>
+            <a:endParaRPr lang="en-US" sz="1800" dirty="0">
+              <a:latin typeface="Calibri" charset="0"/>
+              <a:ea typeface="ＭＳ Ｐゴシック" charset="0"/>
+            </a:endParaRPr>
+          </a:p>
+        </p:txBody>
+      </p:sp>
+    </p:spTree>
+    <p:extLst>
+      <p:ext uri="{BB962C8B-B14F-4D97-AF65-F5344CB8AC3E}">
+        <p14:creationId xmlns:p14="http://schemas.microsoft.com/office/powerpoint/2010/main" val="142660334"/>
       </p:ext>
     </p:extLst>
   </p:cSld>
